--- a/poster.pptx
+++ b/poster.pptx
@@ -362,6 +362,11 @@
                 <a:bevelB/>
               </a:sp3d>
             </c:spPr>
+            <c:extLst>
+              <c:ext xmlns:c16="http://schemas.microsoft.com/office/drawing/2014/chart" uri="{C3380CC4-5D6E-409C-BE32-E72D297353CC}">
+                <c16:uniqueId val="{00000001-0130-49E8-8670-F4770E81485B}"/>
+              </c:ext>
+            </c:extLst>
           </c:dPt>
           <c:dPt>
             <c:idx val="1"/>
@@ -385,6 +390,11 @@
                 <a:bevelB/>
               </a:sp3d>
             </c:spPr>
+            <c:extLst>
+              <c:ext xmlns:c16="http://schemas.microsoft.com/office/drawing/2014/chart" uri="{C3380CC4-5D6E-409C-BE32-E72D297353CC}">
+                <c16:uniqueId val="{00000003-0130-49E8-8670-F4770E81485B}"/>
+              </c:ext>
+            </c:extLst>
           </c:dPt>
           <c:dPt>
             <c:idx val="2"/>
@@ -408,6 +418,11 @@
                 <a:bevelB/>
               </a:sp3d>
             </c:spPr>
+            <c:extLst>
+              <c:ext xmlns:c16="http://schemas.microsoft.com/office/drawing/2014/chart" uri="{C3380CC4-5D6E-409C-BE32-E72D297353CC}">
+                <c16:uniqueId val="{00000005-0130-49E8-8670-F4770E81485B}"/>
+              </c:ext>
+            </c:extLst>
           </c:dPt>
           <c:dPt>
             <c:idx val="3"/>
@@ -431,6 +446,11 @@
                 <a:bevelB/>
               </a:sp3d>
             </c:spPr>
+            <c:extLst>
+              <c:ext xmlns:c16="http://schemas.microsoft.com/office/drawing/2014/chart" uri="{C3380CC4-5D6E-409C-BE32-E72D297353CC}">
+                <c16:uniqueId val="{00000007-0130-49E8-8670-F4770E81485B}"/>
+              </c:ext>
+            </c:extLst>
           </c:dPt>
           <c:dPt>
             <c:idx val="4"/>
@@ -454,6 +474,11 @@
                 <a:bevelB/>
               </a:sp3d>
             </c:spPr>
+            <c:extLst>
+              <c:ext xmlns:c16="http://schemas.microsoft.com/office/drawing/2014/chart" uri="{C3380CC4-5D6E-409C-BE32-E72D297353CC}">
+                <c16:uniqueId val="{00000009-0130-49E8-8670-F4770E81485B}"/>
+              </c:ext>
+            </c:extLst>
           </c:dPt>
           <c:dPt>
             <c:idx val="5"/>
@@ -477,6 +502,11 @@
                 <a:bevelB/>
               </a:sp3d>
             </c:spPr>
+            <c:extLst>
+              <c:ext xmlns:c16="http://schemas.microsoft.com/office/drawing/2014/chart" uri="{C3380CC4-5D6E-409C-BE32-E72D297353CC}">
+                <c16:uniqueId val="{0000000B-0130-49E8-8670-F4770E81485B}"/>
+              </c:ext>
+            </c:extLst>
           </c:dPt>
           <c:dPt>
             <c:idx val="6"/>
@@ -502,6 +532,11 @@
                 <a:bevelB/>
               </a:sp3d>
             </c:spPr>
+            <c:extLst>
+              <c:ext xmlns:c16="http://schemas.microsoft.com/office/drawing/2014/chart" uri="{C3380CC4-5D6E-409C-BE32-E72D297353CC}">
+                <c16:uniqueId val="{0000000D-0130-49E8-8670-F4770E81485B}"/>
+              </c:ext>
+            </c:extLst>
           </c:dPt>
           <c:dPt>
             <c:idx val="7"/>
@@ -527,6 +562,11 @@
                 <a:bevelB/>
               </a:sp3d>
             </c:spPr>
+            <c:extLst>
+              <c:ext xmlns:c16="http://schemas.microsoft.com/office/drawing/2014/chart" uri="{C3380CC4-5D6E-409C-BE32-E72D297353CC}">
+                <c16:uniqueId val="{0000000F-0130-49E8-8670-F4770E81485B}"/>
+              </c:ext>
+            </c:extLst>
           </c:dPt>
           <c:dPt>
             <c:idx val="8"/>
@@ -552,6 +592,11 @@
                 <a:bevelB/>
               </a:sp3d>
             </c:spPr>
+            <c:extLst>
+              <c:ext xmlns:c16="http://schemas.microsoft.com/office/drawing/2014/chart" uri="{C3380CC4-5D6E-409C-BE32-E72D297353CC}">
+                <c16:uniqueId val="{00000011-0130-49E8-8670-F4770E81485B}"/>
+              </c:ext>
+            </c:extLst>
           </c:dPt>
           <c:dPt>
             <c:idx val="9"/>
@@ -577,6 +622,11 @@
                 <a:bevelB/>
               </a:sp3d>
             </c:spPr>
+            <c:extLst>
+              <c:ext xmlns:c16="http://schemas.microsoft.com/office/drawing/2014/chart" uri="{C3380CC4-5D6E-409C-BE32-E72D297353CC}">
+                <c16:uniqueId val="{00000013-0130-49E8-8670-F4770E81485B}"/>
+              </c:ext>
+            </c:extLst>
           </c:dPt>
           <c:cat>
             <c:strRef>
@@ -765,24 +815,7 @@
     <cx:data id="0">
       <cx:strDim type="cat">
         <cx:f>Sheet1!$A$2:$C$17</cx:f>
-        <cx:lvl ptCount="16">
-          <cx:pt idx="0"/>
-          <cx:pt idx="1"/>
-          <cx:pt idx="2"/>
-          <cx:pt idx="3"/>
-          <cx:pt idx="4"/>
-          <cx:pt idx="5"/>
-          <cx:pt idx="6"/>
-          <cx:pt idx="7"/>
-          <cx:pt idx="8"/>
-          <cx:pt idx="9"/>
-          <cx:pt idx="10"/>
-          <cx:pt idx="11"/>
-          <cx:pt idx="12"/>
-          <cx:pt idx="13"/>
-          <cx:pt idx="14"/>
-          <cx:pt idx="15"/>
-        </cx:lvl>
+        <cx:lvl ptCount="16"/>
         <cx:lvl ptCount="16">
           <cx:pt idx="0">Forest conservation</cx:pt>
           <cx:pt idx="1">Diverse ecosystems</cx:pt>
@@ -793,13 +826,6 @@
           <cx:pt idx="6">Economic opportunities</cx:pt>
           <cx:pt idx="7">Nutrition and medicine</cx:pt>
           <cx:pt idx="8">Quantity and quality of food</cx:pt>
-          <cx:pt idx="9"/>
-          <cx:pt idx="10"/>
-          <cx:pt idx="11"/>
-          <cx:pt idx="12"/>
-          <cx:pt idx="13"/>
-          <cx:pt idx="14"/>
-          <cx:pt idx="15"/>
         </cx:lvl>
         <cx:lvl ptCount="16">
           <cx:pt idx="0">Environmental benefits</cx:pt>
@@ -811,13 +837,6 @@
           <cx:pt idx="6">Economic  benefits</cx:pt>
           <cx:pt idx="7">Economic  benefits</cx:pt>
           <cx:pt idx="8">Economic  benefits</cx:pt>
-          <cx:pt idx="9"/>
-          <cx:pt idx="10"/>
-          <cx:pt idx="11"/>
-          <cx:pt idx="12"/>
-          <cx:pt idx="13"/>
-          <cx:pt idx="14"/>
-          <cx:pt idx="15"/>
         </cx:lvl>
       </cx:strDim>
       <cx:numDim type="size">
@@ -2907,22 +2926,15 @@
         <a:lstStyle/>
         <a:p>
           <a:r>
-            <a:rPr lang="en-US">
+            <a:rPr lang="en-US" dirty="0">
               <a:solidFill>
                 <a:schemeClr val="tx1"/>
               </a:solidFill>
               <a:latin typeface="Verdana" panose="020B0604030504040204" pitchFamily="34" charset="0"/>
               <a:ea typeface="Verdana" panose="020B0604030504040204" pitchFamily="34" charset="0"/>
             </a:rPr>
-            <a:t>Features a virtual bee pet with changing emotions.</a:t>
+            <a:t>Features a virtual bee pet that changes emotions based on the user’s score</a:t>
           </a:r>
-          <a:endParaRPr lang="en-US" dirty="0">
-            <a:solidFill>
-              <a:schemeClr val="tx1"/>
-            </a:solidFill>
-            <a:latin typeface="Verdana" panose="020B0604030504040204" pitchFamily="34" charset="0"/>
-            <a:ea typeface="Verdana" panose="020B0604030504040204" pitchFamily="34" charset="0"/>
-          </a:endParaRPr>
         </a:p>
       </dgm:t>
     </dgm:pt>
@@ -2963,7 +2975,7 @@
               <a:latin typeface="Verdana" panose="020B0604030504040204" pitchFamily="34" charset="0"/>
               <a:ea typeface="Verdana" panose="020B0604030504040204" pitchFamily="34" charset="0"/>
             </a:rPr>
-            <a:t>Users can plant seeds which they obtain by using the website.</a:t>
+            <a:t>Users can plant seeds which are obtained by completing tasks.</a:t>
           </a:r>
         </a:p>
       </dgm:t>
@@ -3089,7 +3101,7 @@
               <a:latin typeface="Verdana" panose="020B0604030504040204" pitchFamily="34" charset="0"/>
               <a:ea typeface="Verdana" panose="020B0604030504040204" pitchFamily="34" charset="0"/>
             </a:rPr>
-            <a:t>Users receive rewards for completing these goals.</a:t>
+            <a:t>Users receive rewards for completing goals.</a:t>
           </a:r>
         </a:p>
       </dgm:t>
@@ -3173,7 +3185,7 @@
               <a:latin typeface="Verdana" panose="020B0604030504040204" pitchFamily="34" charset="0"/>
               <a:ea typeface="Verdana" panose="020B0604030504040204" pitchFamily="34" charset="0"/>
             </a:rPr>
-            <a:t>Seasonal Changes</a:t>
+            <a:t>Game Master/Admin Feature</a:t>
           </a:r>
         </a:p>
       </dgm:t>
@@ -3257,7 +3269,7 @@
               <a:latin typeface="Verdana" panose="020B0604030504040204" pitchFamily="34" charset="0"/>
               <a:ea typeface="Verdana" panose="020B0604030504040204" pitchFamily="34" charset="0"/>
             </a:rPr>
-            <a:t>Users may accumulate points by using the website. </a:t>
+            <a:t>The leaderboard displays the users ranked by users with the highest scores.</a:t>
           </a:r>
         </a:p>
       </dgm:t>
@@ -3284,48 +3296,6 @@
         </a:p>
       </dgm:t>
     </dgm:pt>
-    <dgm:pt modelId="{0FB931C0-6803-4131-B274-0E65173721F7}">
-      <dgm:prSet phldrT="[Text]"/>
-      <dgm:spPr/>
-      <dgm:t>
-        <a:bodyPr/>
-        <a:lstStyle/>
-        <a:p>
-          <a:r>
-            <a:rPr lang="en-US" dirty="0">
-              <a:solidFill>
-                <a:schemeClr val="tx1"/>
-              </a:solidFill>
-              <a:latin typeface="Verdana" panose="020B0604030504040204" pitchFamily="34" charset="0"/>
-              <a:ea typeface="Verdana" panose="020B0604030504040204" pitchFamily="34" charset="0"/>
-            </a:rPr>
-            <a:t>The leaderboard displays the users with the highest scores.</a:t>
-          </a:r>
-        </a:p>
-      </dgm:t>
-    </dgm:pt>
-    <dgm:pt modelId="{68BC44AB-D9DC-4EB7-9904-CED54467B3BD}" type="parTrans" cxnId="{CFD106E5-079E-4C95-A63C-3E3F983B2A96}">
-      <dgm:prSet/>
-      <dgm:spPr/>
-      <dgm:t>
-        <a:bodyPr/>
-        <a:lstStyle/>
-        <a:p>
-          <a:endParaRPr lang="en-GB"/>
-        </a:p>
-      </dgm:t>
-    </dgm:pt>
-    <dgm:pt modelId="{6FB7B565-2084-47D6-B5CF-7FF8F1E9F968}" type="sibTrans" cxnId="{CFD106E5-079E-4C95-A63C-3E3F983B2A96}">
-      <dgm:prSet/>
-      <dgm:spPr/>
-      <dgm:t>
-        <a:bodyPr/>
-        <a:lstStyle/>
-        <a:p>
-          <a:endParaRPr lang="en-GB"/>
-        </a:p>
-      </dgm:t>
-    </dgm:pt>
     <dgm:pt modelId="{BFE5865C-4A06-4A7A-B1F4-F4E2379D5B70}">
       <dgm:prSet phldrT="[Text]"/>
       <dgm:spPr/>
@@ -3341,7 +3311,7 @@
               <a:latin typeface="Verdana" panose="020B0604030504040204" pitchFamily="34" charset="0"/>
               <a:ea typeface="Verdana" panose="020B0604030504040204" pitchFamily="34" charset="0"/>
             </a:rPr>
-            <a:t>Users may receive seeds for the Virtual Garden by going to a physical on-campus location of environmental significance.</a:t>
+            <a:t>Users may receive seed packs for the Virtual Garden by going to a physical on-campus location of environmental significance.</a:t>
           </a:r>
         </a:p>
       </dgm:t>
@@ -3383,7 +3353,7 @@
               <a:latin typeface="Verdana" panose="020B0604030504040204" pitchFamily="34" charset="0"/>
               <a:ea typeface="Verdana" panose="020B0604030504040204" pitchFamily="34" charset="0"/>
             </a:rPr>
-            <a:t>The visuals and theme of the website will change throughout the real-time seasons.</a:t>
+            <a:t>Admin could accept or reject a user’s request when a user completes at least four daily habits at the “Habit Tracker” form.</a:t>
           </a:r>
         </a:p>
       </dgm:t>
@@ -3407,6 +3377,48 @@
         <a:lstStyle/>
         <a:p>
           <a:endParaRPr lang="en-GB"/>
+        </a:p>
+      </dgm:t>
+    </dgm:pt>
+    <dgm:pt modelId="{7FB9D074-E1AF-4569-AF24-C7EF8AB2E295}">
+      <dgm:prSet phldrT="[Text]"/>
+      <dgm:spPr/>
+      <dgm:t>
+        <a:bodyPr/>
+        <a:lstStyle/>
+        <a:p>
+          <a:r>
+            <a:rPr lang="en-US" dirty="0">
+              <a:solidFill>
+                <a:schemeClr val="tx1"/>
+              </a:solidFill>
+              <a:latin typeface="Verdana" panose="020B0604030504040204" pitchFamily="34" charset="0"/>
+              <a:ea typeface="Verdana" panose="020B0604030504040204" pitchFamily="34" charset="0"/>
+            </a:rPr>
+            <a:t>If accepted, a random seed would be assigned to the user to be planted at the Virtual Garden.</a:t>
+          </a:r>
+        </a:p>
+      </dgm:t>
+    </dgm:pt>
+    <dgm:pt modelId="{A0526D5C-21F8-4F24-BFBD-8D4904B99237}" type="parTrans" cxnId="{111CDA11-164F-457D-9DE5-9171643ABC6F}">
+      <dgm:prSet/>
+      <dgm:spPr/>
+      <dgm:t>
+        <a:bodyPr/>
+        <a:lstStyle/>
+        <a:p>
+          <a:endParaRPr lang="en-MY"/>
+        </a:p>
+      </dgm:t>
+    </dgm:pt>
+    <dgm:pt modelId="{7C70A9AE-D19D-411D-B93D-96DAD12DEC72}" type="sibTrans" cxnId="{111CDA11-164F-457D-9DE5-9171643ABC6F}">
+      <dgm:prSet/>
+      <dgm:spPr/>
+      <dgm:t>
+        <a:bodyPr/>
+        <a:lstStyle/>
+        <a:p>
+          <a:endParaRPr lang="en-MY"/>
         </a:p>
       </dgm:t>
     </dgm:pt>
@@ -3527,6 +3539,7 @@
   </dgm:ptLst>
   <dgm:cxnLst>
     <dgm:cxn modelId="{99C15703-D991-4499-AED4-02E1295A95DF}" type="presOf" srcId="{BFE5865C-4A06-4A7A-B1F4-F4E2379D5B70}" destId="{1E12249C-EEB5-7442-B837-94DE93B40CEC}" srcOrd="0" destOrd="1" presId="urn:microsoft.com/office/officeart/2008/layout/VerticalCurvedList"/>
+    <dgm:cxn modelId="{111CDA11-164F-457D-9DE5-9171643ABC6F}" srcId="{E566421E-F868-E843-A23C-DBF6F3559D89}" destId="{7FB9D074-E1AF-4569-AF24-C7EF8AB2E295}" srcOrd="1" destOrd="0" parTransId="{A0526D5C-21F8-4F24-BFBD-8D4904B99237}" sibTransId="{7C70A9AE-D19D-411D-B93D-96DAD12DEC72}"/>
     <dgm:cxn modelId="{CABE4019-A4FB-2C44-856E-3D91CDF3DE05}" srcId="{EDDD3E74-F3B7-4347-AAE8-7798F8777220}" destId="{43DECADF-861E-C240-B9A8-F17D953D5612}" srcOrd="2" destOrd="0" parTransId="{5760114D-E400-1742-BCC6-E63837D831FD}" sibTransId="{040D343B-3FEC-5449-934E-86F4A05AE9DA}"/>
     <dgm:cxn modelId="{3976F02D-E0EB-451E-9993-A1F1003258DB}" type="presOf" srcId="{04B77E05-6FAF-4276-8D90-A03F8A8AA7F9}" destId="{99ED5A7E-85F4-5A44-8FD9-EA1E21750385}" srcOrd="0" destOrd="1" presId="urn:microsoft.com/office/officeart/2008/layout/VerticalCurvedList"/>
     <dgm:cxn modelId="{D2AB6836-2320-4284-A93C-E18D74318C33}" srcId="{43DECADF-861E-C240-B9A8-F17D953D5612}" destId="{4F1EE6C5-9EE8-4BC4-BFE2-9865C03FE71D}" srcOrd="0" destOrd="0" parTransId="{C7FFF8BB-FF0C-458E-AB4D-B2B672CB02C5}" sibTransId="{9EE82E67-4795-4CD8-8AB0-F67DA46B3D16}"/>
@@ -3540,6 +3553,7 @@
     <dgm:cxn modelId="{B6716471-B2A5-9841-8105-B8BA398F66B4}" type="presOf" srcId="{B5CD0838-0FBF-8B4A-B7CC-ED5C8FF1A39E}" destId="{14B5E3B2-4116-504F-9AA6-72033D2CEEC3}" srcOrd="0" destOrd="2" presId="urn:microsoft.com/office/officeart/2008/layout/VerticalCurvedList"/>
     <dgm:cxn modelId="{47576A76-29B4-034D-A8A3-97D338AEA8C6}" type="presOf" srcId="{32FE5DF5-5164-7043-988B-E3A94C9D8CAB}" destId="{E2FF0F57-783F-2749-A03F-28DDBE4D328E}" srcOrd="0" destOrd="0" presId="urn:microsoft.com/office/officeart/2008/layout/VerticalCurvedList"/>
     <dgm:cxn modelId="{DE428D7A-86C8-3947-B225-660B4F12A64C}" type="presOf" srcId="{9D16F4D4-E0C4-FF4C-A6BA-CB7F1FDFDBF6}" destId="{5937BB7F-E7D4-E34E-81BF-7A61756B9F3B}" srcOrd="0" destOrd="0" presId="urn:microsoft.com/office/officeart/2008/layout/VerticalCurvedList"/>
+    <dgm:cxn modelId="{5F86F65A-97A0-4CB2-B82C-D9FB2A32F86A}" type="presOf" srcId="{7FB9D074-E1AF-4569-AF24-C7EF8AB2E295}" destId="{99ED5A7E-85F4-5A44-8FD9-EA1E21750385}" srcOrd="0" destOrd="2" presId="urn:microsoft.com/office/officeart/2008/layout/VerticalCurvedList"/>
     <dgm:cxn modelId="{C2C44F7B-5BBF-F544-9BA4-A5378883A484}" type="presOf" srcId="{3E119944-AF64-FC46-BB67-1F90306E8033}" destId="{1E12249C-EEB5-7442-B837-94DE93B40CEC}" srcOrd="0" destOrd="0" presId="urn:microsoft.com/office/officeart/2008/layout/VerticalCurvedList"/>
     <dgm:cxn modelId="{434050A2-D0F0-9843-83E8-81A7A66D97CC}" srcId="{EDDD3E74-F3B7-4347-AAE8-7798F8777220}" destId="{9D16F4D4-E0C4-FF4C-A6BA-CB7F1FDFDBF6}" srcOrd="0" destOrd="0" parTransId="{AD25F1B2-57BE-D548-9871-D15E2597DBAE}" sibTransId="{E17E8A51-33F3-AC4E-B624-5002F2AD9AE3}"/>
     <dgm:cxn modelId="{EE15E2AB-EAB4-5348-A7CE-4B23FAA32A87}" type="presOf" srcId="{43DECADF-861E-C240-B9A8-F17D953D5612}" destId="{B1E50987-10C3-D845-AED2-E0F9253D8015}" srcOrd="0" destOrd="0" presId="urn:microsoft.com/office/officeart/2008/layout/VerticalCurvedList"/>
@@ -3550,9 +3564,7 @@
     <dgm:cxn modelId="{5FEFD9D5-0696-4061-ACC9-B77D2901F288}" srcId="{3E119944-AF64-FC46-BB67-1F90306E8033}" destId="{BFE5865C-4A06-4A7A-B1F4-F4E2379D5B70}" srcOrd="0" destOrd="0" parTransId="{FCF32BAE-3D50-48B0-9AF3-CD0DCE274AE7}" sibTransId="{6C04B3A8-21C5-4F45-B0D5-B712B8D44DDA}"/>
     <dgm:cxn modelId="{E73FA0D7-9B76-2A49-A488-A8751895B2FB}" type="presOf" srcId="{E566421E-F868-E843-A23C-DBF6F3559D89}" destId="{99ED5A7E-85F4-5A44-8FD9-EA1E21750385}" srcOrd="0" destOrd="0" presId="urn:microsoft.com/office/officeart/2008/layout/VerticalCurvedList"/>
     <dgm:cxn modelId="{51C7DAE1-14CA-2042-8E7B-A28E5E5C50EC}" srcId="{9D16F4D4-E0C4-FF4C-A6BA-CB7F1FDFDBF6}" destId="{79200B25-01CD-4A44-8546-099E167459D9}" srcOrd="1" destOrd="0" parTransId="{C6C7DE59-954F-C648-8417-5DCFD087D67E}" sibTransId="{D4D5C20F-2375-1448-8CD5-248265E2604B}"/>
-    <dgm:cxn modelId="{CFD106E5-079E-4C95-A63C-3E3F983B2A96}" srcId="{43DECADF-861E-C240-B9A8-F17D953D5612}" destId="{0FB931C0-6803-4131-B274-0E65173721F7}" srcOrd="1" destOrd="0" parTransId="{68BC44AB-D9DC-4EB7-9904-CED54467B3BD}" sibTransId="{6FB7B565-2084-47D6-B5CF-7FF8F1E9F968}"/>
     <dgm:cxn modelId="{E2A649E9-ED53-6C46-87ED-08B5CD62AC9C}" srcId="{EDDD3E74-F3B7-4347-AAE8-7798F8777220}" destId="{3E119944-AF64-FC46-BB67-1F90306E8033}" srcOrd="3" destOrd="0" parTransId="{A039FAB8-4F74-6E4C-953A-9730F0BFC451}" sibTransId="{FF7DCEDE-9576-494A-8556-3329C27D7EC3}"/>
-    <dgm:cxn modelId="{00BEDFEC-B30E-41CD-8F7C-410C2B342208}" type="presOf" srcId="{0FB931C0-6803-4131-B274-0E65173721F7}" destId="{B1E50987-10C3-D845-AED2-E0F9253D8015}" srcOrd="0" destOrd="2" presId="urn:microsoft.com/office/officeart/2008/layout/VerticalCurvedList"/>
     <dgm:cxn modelId="{C5FDC4F5-A5E5-402E-80A5-2908A39A7908}" type="presOf" srcId="{4F1EE6C5-9EE8-4BC4-BFE2-9865C03FE71D}" destId="{B1E50987-10C3-D845-AED2-E0F9253D8015}" srcOrd="0" destOrd="1" presId="urn:microsoft.com/office/officeart/2008/layout/VerticalCurvedList"/>
     <dgm:cxn modelId="{B640AED7-19E1-354F-ABBC-D41BCF8FE941}" type="presParOf" srcId="{6BC8CE2D-C24B-D844-881D-9974A09B8D42}" destId="{57EF58FF-D641-8C49-ACF1-05B6133DA591}" srcOrd="0" destOrd="0" presId="urn:microsoft.com/office/officeart/2008/layout/VerticalCurvedList"/>
     <dgm:cxn modelId="{18FB6157-A140-ED42-8F26-8302665F09BE}" type="presParOf" srcId="{57EF58FF-D641-8C49-ACF1-05B6133DA591}" destId="{D281ACE9-CC62-7F46-9FBB-E2FF9EDA3ED2}" srcOrd="0" destOrd="0" presId="urn:microsoft.com/office/officeart/2008/layout/VerticalCurvedList"/>
@@ -3688,12 +3700,12 @@
         </a:fontRef>
       </dsp:style>
       <dsp:txBody>
-        <a:bodyPr spcFirstLastPara="0" vert="horz" wrap="square" lIns="1673633" tIns="99060" rIns="99060" bIns="99060" numCol="1" spcCol="1270" anchor="t" anchorCtr="0">
+        <a:bodyPr spcFirstLastPara="0" vert="horz" wrap="square" lIns="1673633" tIns="76200" rIns="76200" bIns="76200" numCol="1" spcCol="1270" anchor="t" anchorCtr="0">
           <a:noAutofit/>
         </a:bodyPr>
         <a:lstStyle/>
         <a:p>
-          <a:pPr marL="0" lvl="0" indent="0" algn="l" defTabSz="1733550">
+          <a:pPr marL="0" lvl="0" indent="0" algn="l" defTabSz="1333500">
             <a:lnSpc>
               <a:spcPct val="90000"/>
             </a:lnSpc>
@@ -3706,7 +3718,7 @@
             <a:buNone/>
           </a:pPr>
           <a:r>
-            <a:rPr lang="en-US" sz="3900" kern="1200" dirty="0">
+            <a:rPr lang="en-US" sz="3000" kern="1200" dirty="0">
               <a:solidFill>
                 <a:schemeClr val="tx1"/>
               </a:solidFill>
@@ -3717,7 +3729,7 @@
           </a:r>
         </a:p>
         <a:p>
-          <a:pPr marL="285750" lvl="1" indent="-285750" algn="l" defTabSz="1333500">
+          <a:pPr marL="228600" lvl="1" indent="-228600" algn="l" defTabSz="1022350">
             <a:lnSpc>
               <a:spcPct val="90000"/>
             </a:lnSpc>
@@ -3730,25 +3742,18 @@
             <a:buChar char="•"/>
           </a:pPr>
           <a:r>
-            <a:rPr lang="en-US" sz="3000" kern="1200">
+            <a:rPr lang="en-US" sz="2300" kern="1200" dirty="0">
               <a:solidFill>
                 <a:schemeClr val="tx1"/>
               </a:solidFill>
               <a:latin typeface="Verdana" panose="020B0604030504040204" pitchFamily="34" charset="0"/>
               <a:ea typeface="Verdana" panose="020B0604030504040204" pitchFamily="34" charset="0"/>
             </a:rPr>
-            <a:t>Features a virtual bee pet with changing emotions.</a:t>
+            <a:t>Features a virtual bee pet that changes emotions based on the user’s score</a:t>
           </a:r>
-          <a:endParaRPr lang="en-US" sz="3000" kern="1200" dirty="0">
-            <a:solidFill>
-              <a:schemeClr val="tx1"/>
-            </a:solidFill>
-            <a:latin typeface="Verdana" panose="020B0604030504040204" pitchFamily="34" charset="0"/>
-            <a:ea typeface="Verdana" panose="020B0604030504040204" pitchFamily="34" charset="0"/>
-          </a:endParaRPr>
         </a:p>
         <a:p>
-          <a:pPr marL="285750" lvl="1" indent="-285750" algn="l" defTabSz="1333500">
+          <a:pPr marL="228600" lvl="1" indent="-228600" algn="l" defTabSz="1022350">
             <a:lnSpc>
               <a:spcPct val="90000"/>
             </a:lnSpc>
@@ -3761,14 +3766,14 @@
             <a:buChar char="•"/>
           </a:pPr>
           <a:r>
-            <a:rPr lang="en-US" sz="3000" kern="1200" dirty="0">
+            <a:rPr lang="en-US" sz="2300" kern="1200" dirty="0">
               <a:solidFill>
                 <a:schemeClr val="tx1"/>
               </a:solidFill>
               <a:latin typeface="Verdana" panose="020B0604030504040204" pitchFamily="34" charset="0"/>
               <a:ea typeface="Verdana" panose="020B0604030504040204" pitchFamily="34" charset="0"/>
             </a:rPr>
-            <a:t>Users can plant seeds which they obtain by using the website.</a:t>
+            <a:t>Users can plant seeds which are obtained by completing tasks.</a:t>
           </a:r>
         </a:p>
       </dsp:txBody>
@@ -3881,12 +3886,12 @@
         </a:fontRef>
       </dsp:style>
       <dsp:txBody>
-        <a:bodyPr spcFirstLastPara="0" vert="horz" wrap="square" lIns="1673633" tIns="99060" rIns="99060" bIns="99060" numCol="1" spcCol="1270" anchor="t" anchorCtr="0">
+        <a:bodyPr spcFirstLastPara="0" vert="horz" wrap="square" lIns="1673633" tIns="76200" rIns="76200" bIns="76200" numCol="1" spcCol="1270" anchor="t" anchorCtr="0">
           <a:noAutofit/>
         </a:bodyPr>
         <a:lstStyle/>
         <a:p>
-          <a:pPr marL="0" lvl="0" indent="0" algn="l" defTabSz="1733550">
+          <a:pPr marL="0" lvl="0" indent="0" algn="l" defTabSz="1333500">
             <a:lnSpc>
               <a:spcPct val="90000"/>
             </a:lnSpc>
@@ -3899,7 +3904,7 @@
             <a:buNone/>
           </a:pPr>
           <a:r>
-            <a:rPr lang="en-US" sz="3900" kern="1200" dirty="0">
+            <a:rPr lang="en-US" sz="3000" kern="1200" dirty="0">
               <a:solidFill>
                 <a:schemeClr val="tx1"/>
               </a:solidFill>
@@ -3910,7 +3915,7 @@
           </a:r>
         </a:p>
         <a:p>
-          <a:pPr marL="285750" lvl="1" indent="-285750" algn="l" defTabSz="1333500">
+          <a:pPr marL="228600" lvl="1" indent="-228600" algn="l" defTabSz="1022350">
             <a:lnSpc>
               <a:spcPct val="90000"/>
             </a:lnSpc>
@@ -3923,7 +3928,7 @@
             <a:buChar char="•"/>
           </a:pPr>
           <a:r>
-            <a:rPr lang="en-US" sz="3000" kern="1200" dirty="0">
+            <a:rPr lang="en-US" sz="2300" kern="1200" dirty="0">
               <a:solidFill>
                 <a:schemeClr val="tx1"/>
               </a:solidFill>
@@ -3934,7 +3939,7 @@
           </a:r>
         </a:p>
         <a:p>
-          <a:pPr marL="285750" lvl="1" indent="-285750" algn="l" defTabSz="1333500">
+          <a:pPr marL="228600" lvl="1" indent="-228600" algn="l" defTabSz="1022350">
             <a:lnSpc>
               <a:spcPct val="90000"/>
             </a:lnSpc>
@@ -3947,14 +3952,14 @@
             <a:buChar char="•"/>
           </a:pPr>
           <a:r>
-            <a:rPr lang="en-US" sz="3000" kern="1200" dirty="0">
+            <a:rPr lang="en-US" sz="2300" kern="1200" dirty="0">
               <a:solidFill>
                 <a:schemeClr val="tx1"/>
               </a:solidFill>
               <a:latin typeface="Verdana" panose="020B0604030504040204" pitchFamily="34" charset="0"/>
               <a:ea typeface="Verdana" panose="020B0604030504040204" pitchFamily="34" charset="0"/>
             </a:rPr>
-            <a:t>Users receive rewards for completing these goals.</a:t>
+            <a:t>Users receive rewards for completing goals.</a:t>
           </a:r>
         </a:p>
       </dsp:txBody>
@@ -4067,12 +4072,12 @@
         </a:fontRef>
       </dsp:style>
       <dsp:txBody>
-        <a:bodyPr spcFirstLastPara="0" vert="horz" wrap="square" lIns="1673633" tIns="99060" rIns="99060" bIns="99060" numCol="1" spcCol="1270" anchor="t" anchorCtr="0">
+        <a:bodyPr spcFirstLastPara="0" vert="horz" wrap="square" lIns="1673633" tIns="76200" rIns="76200" bIns="76200" numCol="1" spcCol="1270" anchor="t" anchorCtr="0">
           <a:noAutofit/>
         </a:bodyPr>
         <a:lstStyle/>
         <a:p>
-          <a:pPr marL="0" lvl="0" indent="0" algn="l" defTabSz="1733550">
+          <a:pPr marL="0" lvl="0" indent="0" algn="l" defTabSz="1333500">
             <a:lnSpc>
               <a:spcPct val="90000"/>
             </a:lnSpc>
@@ -4085,7 +4090,7 @@
             <a:buNone/>
           </a:pPr>
           <a:r>
-            <a:rPr lang="en-US" sz="3900" kern="1200" dirty="0">
+            <a:rPr lang="en-US" sz="3000" kern="1200" dirty="0">
               <a:solidFill>
                 <a:schemeClr val="tx1"/>
               </a:solidFill>
@@ -4096,7 +4101,7 @@
           </a:r>
         </a:p>
         <a:p>
-          <a:pPr marL="285750" lvl="1" indent="-285750" algn="l" defTabSz="1333500">
+          <a:pPr marL="228600" lvl="1" indent="-228600" algn="l" defTabSz="1022350">
             <a:lnSpc>
               <a:spcPct val="90000"/>
             </a:lnSpc>
@@ -4109,38 +4114,14 @@
             <a:buChar char="•"/>
           </a:pPr>
           <a:r>
-            <a:rPr lang="en-US" sz="3000" kern="1200" dirty="0">
+            <a:rPr lang="en-US" sz="2300" kern="1200" dirty="0">
               <a:solidFill>
                 <a:schemeClr val="tx1"/>
               </a:solidFill>
               <a:latin typeface="Verdana" panose="020B0604030504040204" pitchFamily="34" charset="0"/>
               <a:ea typeface="Verdana" panose="020B0604030504040204" pitchFamily="34" charset="0"/>
             </a:rPr>
-            <a:t>Users may accumulate points by using the website. </a:t>
-          </a:r>
-        </a:p>
-        <a:p>
-          <a:pPr marL="285750" lvl="1" indent="-285750" algn="l" defTabSz="1333500">
-            <a:lnSpc>
-              <a:spcPct val="90000"/>
-            </a:lnSpc>
-            <a:spcBef>
-              <a:spcPct val="0"/>
-            </a:spcBef>
-            <a:spcAft>
-              <a:spcPct val="15000"/>
-            </a:spcAft>
-            <a:buChar char="•"/>
-          </a:pPr>
-          <a:r>
-            <a:rPr lang="en-US" sz="3000" kern="1200" dirty="0">
-              <a:solidFill>
-                <a:schemeClr val="tx1"/>
-              </a:solidFill>
-              <a:latin typeface="Verdana" panose="020B0604030504040204" pitchFamily="34" charset="0"/>
-              <a:ea typeface="Verdana" panose="020B0604030504040204" pitchFamily="34" charset="0"/>
-            </a:rPr>
-            <a:t>The leaderboard displays the users with the highest scores.</a:t>
+            <a:t>The leaderboard displays the users ranked by users with the highest scores.</a:t>
           </a:r>
         </a:p>
       </dsp:txBody>
@@ -4253,12 +4234,12 @@
         </a:fontRef>
       </dsp:style>
       <dsp:txBody>
-        <a:bodyPr spcFirstLastPara="0" vert="horz" wrap="square" lIns="1673633" tIns="99060" rIns="99060" bIns="99060" numCol="1" spcCol="1270" anchor="t" anchorCtr="0">
+        <a:bodyPr spcFirstLastPara="0" vert="horz" wrap="square" lIns="1673633" tIns="76200" rIns="76200" bIns="76200" numCol="1" spcCol="1270" anchor="t" anchorCtr="0">
           <a:noAutofit/>
         </a:bodyPr>
         <a:lstStyle/>
         <a:p>
-          <a:pPr marL="0" lvl="0" indent="0" algn="l" defTabSz="1733550">
+          <a:pPr marL="0" lvl="0" indent="0" algn="l" defTabSz="1333500">
             <a:lnSpc>
               <a:spcPct val="90000"/>
             </a:lnSpc>
@@ -4271,7 +4252,7 @@
             <a:buNone/>
           </a:pPr>
           <a:r>
-            <a:rPr lang="en-US" sz="3900" kern="1200" dirty="0">
+            <a:rPr lang="en-US" sz="3000" kern="1200" dirty="0">
               <a:solidFill>
                 <a:schemeClr val="tx1"/>
               </a:solidFill>
@@ -4282,7 +4263,7 @@
           </a:r>
         </a:p>
         <a:p>
-          <a:pPr marL="285750" lvl="1" indent="-285750" algn="l" defTabSz="1333500">
+          <a:pPr marL="228600" lvl="1" indent="-228600" algn="l" defTabSz="1022350">
             <a:lnSpc>
               <a:spcPct val="90000"/>
             </a:lnSpc>
@@ -4295,14 +4276,14 @@
             <a:buChar char="•"/>
           </a:pPr>
           <a:r>
-            <a:rPr lang="en-US" sz="3000" kern="1200" dirty="0">
+            <a:rPr lang="en-US" sz="2300" kern="1200" dirty="0">
               <a:solidFill>
                 <a:schemeClr val="tx1"/>
               </a:solidFill>
               <a:latin typeface="Verdana" panose="020B0604030504040204" pitchFamily="34" charset="0"/>
               <a:ea typeface="Verdana" panose="020B0604030504040204" pitchFamily="34" charset="0"/>
             </a:rPr>
-            <a:t>Users may receive seeds for the Virtual Garden by going to a physical on-campus location of environmental significance.</a:t>
+            <a:t>Users may receive seed packs for the Virtual Garden by going to a physical on-campus location of environmental significance.</a:t>
           </a:r>
         </a:p>
       </dsp:txBody>
@@ -4415,12 +4396,12 @@
         </a:fontRef>
       </dsp:style>
       <dsp:txBody>
-        <a:bodyPr spcFirstLastPara="0" vert="horz" wrap="square" lIns="1673633" tIns="99060" rIns="99060" bIns="99060" numCol="1" spcCol="1270" anchor="t" anchorCtr="0">
+        <a:bodyPr spcFirstLastPara="0" vert="horz" wrap="square" lIns="1673633" tIns="76200" rIns="76200" bIns="76200" numCol="1" spcCol="1270" anchor="t" anchorCtr="0">
           <a:noAutofit/>
         </a:bodyPr>
         <a:lstStyle/>
         <a:p>
-          <a:pPr marL="0" lvl="0" indent="0" algn="l" defTabSz="1733550">
+          <a:pPr marL="0" lvl="0" indent="0" algn="l" defTabSz="1333500">
             <a:lnSpc>
               <a:spcPct val="90000"/>
             </a:lnSpc>
@@ -4433,18 +4414,18 @@
             <a:buNone/>
           </a:pPr>
           <a:r>
-            <a:rPr lang="en-US" sz="3900" kern="1200" dirty="0">
+            <a:rPr lang="en-US" sz="3000" kern="1200" dirty="0">
               <a:solidFill>
                 <a:schemeClr val="tx1"/>
               </a:solidFill>
               <a:latin typeface="Verdana" panose="020B0604030504040204" pitchFamily="34" charset="0"/>
               <a:ea typeface="Verdana" panose="020B0604030504040204" pitchFamily="34" charset="0"/>
             </a:rPr>
-            <a:t>Seasonal Changes</a:t>
+            <a:t>Game Master/Admin Feature</a:t>
           </a:r>
         </a:p>
         <a:p>
-          <a:pPr marL="285750" lvl="1" indent="-285750" algn="l" defTabSz="1333500">
+          <a:pPr marL="228600" lvl="1" indent="-228600" algn="l" defTabSz="1022350">
             <a:lnSpc>
               <a:spcPct val="90000"/>
             </a:lnSpc>
@@ -4457,14 +4438,38 @@
             <a:buChar char="•"/>
           </a:pPr>
           <a:r>
-            <a:rPr lang="en-US" sz="3000" kern="1200" dirty="0">
+            <a:rPr lang="en-US" sz="2300" kern="1200" dirty="0">
               <a:solidFill>
                 <a:schemeClr val="tx1"/>
               </a:solidFill>
               <a:latin typeface="Verdana" panose="020B0604030504040204" pitchFamily="34" charset="0"/>
               <a:ea typeface="Verdana" panose="020B0604030504040204" pitchFamily="34" charset="0"/>
             </a:rPr>
-            <a:t>The visuals and theme of the website will change throughout the real-time seasons.</a:t>
+            <a:t>Admin could accept or reject a user’s request when a user completes at least four daily habits at the “Habit Tracker” form.</a:t>
+          </a:r>
+        </a:p>
+        <a:p>
+          <a:pPr marL="228600" lvl="1" indent="-228600" algn="l" defTabSz="1022350">
+            <a:lnSpc>
+              <a:spcPct val="90000"/>
+            </a:lnSpc>
+            <a:spcBef>
+              <a:spcPct val="0"/>
+            </a:spcBef>
+            <a:spcAft>
+              <a:spcPct val="15000"/>
+            </a:spcAft>
+            <a:buChar char="•"/>
+          </a:pPr>
+          <a:r>
+            <a:rPr lang="en-US" sz="2300" kern="1200" dirty="0">
+              <a:solidFill>
+                <a:schemeClr val="tx1"/>
+              </a:solidFill>
+              <a:latin typeface="Verdana" panose="020B0604030504040204" pitchFamily="34" charset="0"/>
+              <a:ea typeface="Verdana" panose="020B0604030504040204" pitchFamily="34" charset="0"/>
+            </a:rPr>
+            <a:t>If accepted, a random seed would be assigned to the user to be planted at the Virtual Garden.</a:t>
           </a:r>
         </a:p>
       </dsp:txBody>
@@ -10565,7 +10570,7 @@
           <p:nvPr>
             <p:extLst>
               <p:ext uri="{D42A27DB-BD31-4B8C-83A1-F6EECF244321}">
-                <p14:modId xmlns:p14="http://schemas.microsoft.com/office/powerpoint/2010/main" val="3692889016"/>
+                <p14:modId xmlns:p14="http://schemas.microsoft.com/office/powerpoint/2010/main" val="1224669787"/>
               </p:ext>
             </p:extLst>
           </p:nvPr>
@@ -10668,8 +10673,8 @@
           </a:graphicData>
         </a:graphic>
       </p:graphicFrame>
-      <mc:AlternateContent xmlns:mc="http://schemas.openxmlformats.org/markup-compatibility/2006">
-        <mc:Choice xmlns:cx1="http://schemas.microsoft.com/office/drawing/2015/9/8/chartex" Requires="cx1">
+      <mc:AlternateContent xmlns:mc="http://schemas.openxmlformats.org/markup-compatibility/2006" xmlns:cx1="http://schemas.microsoft.com/office/drawing/2015/9/8/chartex">
+        <mc:Choice Requires="cx1">
           <p:graphicFrame>
             <p:nvGraphicFramePr>
               <p:cNvPr id="19" name="Chart 18">
@@ -10699,7 +10704,7 @@
             </a:graphic>
           </p:graphicFrame>
         </mc:Choice>
-        <mc:Fallback>
+        <mc:Fallback xmlns="">
           <p:pic>
             <p:nvPicPr>
               <p:cNvPr id="19" name="Chart 18">
